--- a/Materiale/Presentazioni/TOP-TED - AWS.pptx
+++ b/Materiale/Presentazioni/TOP-TED - AWS.pptx
@@ -356,7 +356,7 @@
           <a:p>
             <a:fld id="{ED291B17-9318-49DB-B28B-6E5994AE9581}" type="datetime1">
               <a:rPr lang="en-US" smtClean="0"/>
-              <a:t>5/21/2021</a:t>
+              <a:t>5/24/2021</a:t>
             </a:fld>
             <a:endParaRPr lang="en-US" dirty="0"/>
           </a:p>
@@ -559,7 +559,7 @@
           <a:p>
             <a:fld id="{2CED4963-E985-44C4-B8C4-FDD613B7C2F8}" type="datetime1">
               <a:rPr lang="en-US" smtClean="0"/>
-              <a:t>5/21/2021</a:t>
+              <a:t>5/24/2021</a:t>
             </a:fld>
             <a:endParaRPr lang="en-US" dirty="0"/>
           </a:p>
@@ -921,7 +921,7 @@
           <a:p>
             <a:fld id="{ED291B17-9318-49DB-B28B-6E5994AE9581}" type="datetime1">
               <a:rPr lang="en-US" smtClean="0"/>
-              <a:t>5/21/2021</a:t>
+              <a:t>5/24/2021</a:t>
             </a:fld>
             <a:endParaRPr lang="en-US" dirty="0"/>
           </a:p>
@@ -1119,7 +1119,7 @@
           <a:p>
             <a:fld id="{78DD82B9-B8EE-4375-B6FF-88FA6ABB15D9}" type="datetime1">
               <a:rPr lang="en-US" smtClean="0"/>
-              <a:t>5/21/2021</a:t>
+              <a:t>5/24/2021</a:t>
             </a:fld>
             <a:endParaRPr lang="en-US" dirty="0"/>
           </a:p>
@@ -1431,7 +1431,7 @@
           <a:p>
             <a:fld id="{B2497495-0637-405E-AE64-5CC7506D51F5}" type="datetime1">
               <a:rPr lang="en-US" smtClean="0"/>
-              <a:t>5/21/2021</a:t>
+              <a:t>5/24/2021</a:t>
             </a:fld>
             <a:endParaRPr lang="en-US" dirty="0"/>
           </a:p>
@@ -1684,7 +1684,7 @@
           <a:p>
             <a:fld id="{7BFFD690-9426-415D-8B65-26881E07B2D4}" type="datetime1">
               <a:rPr lang="en-US" smtClean="0"/>
-              <a:t>5/21/2021</a:t>
+              <a:t>5/24/2021</a:t>
             </a:fld>
             <a:endParaRPr lang="en-US" dirty="0"/>
           </a:p>
@@ -2106,7 +2106,7 @@
           <a:p>
             <a:fld id="{04C4989A-474C-40DE-95B9-011C28B71673}" type="datetime1">
               <a:rPr lang="en-US" smtClean="0"/>
-              <a:t>5/21/2021</a:t>
+              <a:t>5/24/2021</a:t>
             </a:fld>
             <a:endParaRPr lang="en-US" dirty="0"/>
           </a:p>
@@ -2229,7 +2229,7 @@
           <a:p>
             <a:fld id="{5DB4ED54-5B5E-4A04-93D3-5772E3CE3818}" type="datetime1">
               <a:rPr lang="en-US" smtClean="0"/>
-              <a:t>5/21/2021</a:t>
+              <a:t>5/24/2021</a:t>
             </a:fld>
             <a:endParaRPr lang="en-US" dirty="0"/>
           </a:p>
@@ -2324,7 +2324,7 @@
           <a:p>
             <a:fld id="{4EDE50D6-574B-40AF-946F-D52A04ADE379}" type="datetime1">
               <a:rPr lang="en-US" smtClean="0"/>
-              <a:t>5/21/2021</a:t>
+              <a:t>5/24/2021</a:t>
             </a:fld>
             <a:endParaRPr lang="en-US" dirty="0"/>
           </a:p>
@@ -2701,7 +2701,7 @@
           <a:p>
             <a:fld id="{D82884F1-FFEA-405F-9602-3DCA865EDA4E}" type="datetime1">
               <a:rPr lang="en-US" smtClean="0"/>
-              <a:t>5/21/2021</a:t>
+              <a:t>5/24/2021</a:t>
             </a:fld>
             <a:endParaRPr lang="en-US" dirty="0"/>
           </a:p>
@@ -2994,7 +2994,7 @@
           <a:p>
             <a:fld id="{7E18DB4A-8810-4A10-AD5C-D5E2C667F5B3}" type="datetime1">
               <a:rPr lang="en-US" smtClean="0"/>
-              <a:t>5/21/2021</a:t>
+              <a:t>5/24/2021</a:t>
             </a:fld>
             <a:endParaRPr lang="en-US" dirty="0"/>
           </a:p>
@@ -3209,7 +3209,7 @@
           <a:p>
             <a:fld id="{ED291B17-9318-49DB-B28B-6E5994AE9581}" type="datetime1">
               <a:rPr lang="en-US" smtClean="0"/>
-              <a:t>5/21/2021</a:t>
+              <a:t>5/24/2021</a:t>
             </a:fld>
             <a:endParaRPr lang="en-US" dirty="0"/>
           </a:p>
@@ -4104,6 +4104,26 @@
               </a:rPr>
               <a:t>TED</a:t>
             </a:r>
+            <a:br>
+              <a:rPr lang="it-IT" dirty="0">
+                <a:solidFill>
+                  <a:srgbClr val="FF0000"/>
+                </a:solidFill>
+              </a:rPr>
+            </a:br>
+            <a:r>
+              <a:rPr lang="it-IT" sz="2000" dirty="0">
+                <a:solidFill>
+                  <a:srgbClr val="FF0000"/>
+                </a:solidFill>
+              </a:rPr>
+              <a:t>Compito 2</a:t>
+            </a:r>
+            <a:endParaRPr lang="it-IT" dirty="0">
+              <a:solidFill>
+                <a:srgbClr val="FF0000"/>
+              </a:solidFill>
+            </a:endParaRPr>
           </a:p>
         </p:txBody>
       </p:sp>
